--- a/medve/viz/szekelydata logo2.pptx
+++ b/medve/viz/szekelydata logo2.pptx
@@ -10,7 +10,12 @@
     <p:sldId id="266" r:id="rId4"/>
     <p:sldId id="267" r:id="rId5"/>
     <p:sldId id="269" r:id="rId6"/>
-    <p:sldId id="268" r:id="rId7"/>
+    <p:sldId id="272" r:id="rId7"/>
+    <p:sldId id="268" r:id="rId8"/>
+    <p:sldId id="270" r:id="rId9"/>
+    <p:sldId id="271" r:id="rId10"/>
+    <p:sldId id="274" r:id="rId11"/>
+    <p:sldId id="273" r:id="rId12"/>
   </p:sldIdLst>
   <p:sldSz cx="12192000" cy="6858000"/>
   <p:notesSz cx="6858000" cy="9144000"/>
@@ -276,7 +281,7 @@
           <a:p>
             <a:fld id="{18E8E0FF-2D50-4C17-A871-A3C9A189B845}" type="datetimeFigureOut">
               <a:rPr lang="en-US" smtClean="0"/>
-              <a:t>3/25/2019</a:t>
+              <a:t>3/26/2019</a:t>
             </a:fld>
             <a:endParaRPr lang="en-US"/>
           </a:p>
@@ -474,7 +479,7 @@
           <a:p>
             <a:fld id="{18E8E0FF-2D50-4C17-A871-A3C9A189B845}" type="datetimeFigureOut">
               <a:rPr lang="en-US" smtClean="0"/>
-              <a:t>3/25/2019</a:t>
+              <a:t>3/26/2019</a:t>
             </a:fld>
             <a:endParaRPr lang="en-US"/>
           </a:p>
@@ -682,7 +687,7 @@
           <a:p>
             <a:fld id="{18E8E0FF-2D50-4C17-A871-A3C9A189B845}" type="datetimeFigureOut">
               <a:rPr lang="en-US" smtClean="0"/>
-              <a:t>3/25/2019</a:t>
+              <a:t>3/26/2019</a:t>
             </a:fld>
             <a:endParaRPr lang="en-US"/>
           </a:p>
@@ -880,7 +885,7 @@
           <a:p>
             <a:fld id="{18E8E0FF-2D50-4C17-A871-A3C9A189B845}" type="datetimeFigureOut">
               <a:rPr lang="en-US" smtClean="0"/>
-              <a:t>3/25/2019</a:t>
+              <a:t>3/26/2019</a:t>
             </a:fld>
             <a:endParaRPr lang="en-US"/>
           </a:p>
@@ -1155,7 +1160,7 @@
           <a:p>
             <a:fld id="{18E8E0FF-2D50-4C17-A871-A3C9A189B845}" type="datetimeFigureOut">
               <a:rPr lang="en-US" smtClean="0"/>
-              <a:t>3/25/2019</a:t>
+              <a:t>3/26/2019</a:t>
             </a:fld>
             <a:endParaRPr lang="en-US"/>
           </a:p>
@@ -1420,7 +1425,7 @@
           <a:p>
             <a:fld id="{18E8E0FF-2D50-4C17-A871-A3C9A189B845}" type="datetimeFigureOut">
               <a:rPr lang="en-US" smtClean="0"/>
-              <a:t>3/25/2019</a:t>
+              <a:t>3/26/2019</a:t>
             </a:fld>
             <a:endParaRPr lang="en-US"/>
           </a:p>
@@ -1832,7 +1837,7 @@
           <a:p>
             <a:fld id="{18E8E0FF-2D50-4C17-A871-A3C9A189B845}" type="datetimeFigureOut">
               <a:rPr lang="en-US" smtClean="0"/>
-              <a:t>3/25/2019</a:t>
+              <a:t>3/26/2019</a:t>
             </a:fld>
             <a:endParaRPr lang="en-US"/>
           </a:p>
@@ -1973,7 +1978,7 @@
           <a:p>
             <a:fld id="{18E8E0FF-2D50-4C17-A871-A3C9A189B845}" type="datetimeFigureOut">
               <a:rPr lang="en-US" smtClean="0"/>
-              <a:t>3/25/2019</a:t>
+              <a:t>3/26/2019</a:t>
             </a:fld>
             <a:endParaRPr lang="en-US"/>
           </a:p>
@@ -2086,7 +2091,7 @@
           <a:p>
             <a:fld id="{18E8E0FF-2D50-4C17-A871-A3C9A189B845}" type="datetimeFigureOut">
               <a:rPr lang="en-US" smtClean="0"/>
-              <a:t>3/25/2019</a:t>
+              <a:t>3/26/2019</a:t>
             </a:fld>
             <a:endParaRPr lang="en-US"/>
           </a:p>
@@ -2397,7 +2402,7 @@
           <a:p>
             <a:fld id="{18E8E0FF-2D50-4C17-A871-A3C9A189B845}" type="datetimeFigureOut">
               <a:rPr lang="en-US" smtClean="0"/>
-              <a:t>3/25/2019</a:t>
+              <a:t>3/26/2019</a:t>
             </a:fld>
             <a:endParaRPr lang="en-US"/>
           </a:p>
@@ -2685,7 +2690,7 @@
           <a:p>
             <a:fld id="{18E8E0FF-2D50-4C17-A871-A3C9A189B845}" type="datetimeFigureOut">
               <a:rPr lang="en-US" smtClean="0"/>
-              <a:t>3/25/2019</a:t>
+              <a:t>3/26/2019</a:t>
             </a:fld>
             <a:endParaRPr lang="en-US"/>
           </a:p>
@@ -2926,7 +2931,7 @@
           <a:p>
             <a:fld id="{18E8E0FF-2D50-4C17-A871-A3C9A189B845}" type="datetimeFigureOut">
               <a:rPr lang="en-US" smtClean="0"/>
-              <a:t>3/25/2019</a:t>
+              <a:t>3/26/2019</a:t>
             </a:fld>
             <a:endParaRPr lang="en-US"/>
           </a:p>
@@ -3704,6 +3709,556 @@
 </p:sld>
 </file>
 
+<file path=ppt/slides/slide10.xml><?xml version="1.0" encoding="utf-8"?>
+<p:sld xmlns:a="http://schemas.openxmlformats.org/drawingml/2006/main" xmlns:r="http://schemas.openxmlformats.org/officeDocument/2006/relationships" xmlns:p="http://schemas.openxmlformats.org/presentationml/2006/main">
+  <p:cSld>
+    <p:spTree>
+      <p:nvGrpSpPr>
+        <p:cNvPr id="1" name=""/>
+        <p:cNvGrpSpPr/>
+        <p:nvPr/>
+      </p:nvGrpSpPr>
+      <p:grpSpPr>
+        <a:xfrm>
+          <a:off x="0" y="0"/>
+          <a:ext cx="0" cy="0"/>
+          <a:chOff x="0" y="0"/>
+          <a:chExt cx="0" cy="0"/>
+        </a:xfrm>
+      </p:grpSpPr>
+      <p:grpSp>
+        <p:nvGrpSpPr>
+          <p:cNvPr id="2" name="Group 1">
+            <a:extLst>
+              <a:ext uri="{FF2B5EF4-FFF2-40B4-BE49-F238E27FC236}">
+                <a16:creationId xmlns:a16="http://schemas.microsoft.com/office/drawing/2014/main" id="{FFFEED4A-1818-432D-B4AC-7E95DBEA073B}"/>
+              </a:ext>
+            </a:extLst>
+          </p:cNvPr>
+          <p:cNvGrpSpPr/>
+          <p:nvPr/>
+        </p:nvGrpSpPr>
+        <p:grpSpPr>
+          <a:xfrm>
+            <a:off x="1397379" y="1322707"/>
+            <a:ext cx="4552399" cy="2058212"/>
+            <a:chOff x="1397379" y="1322707"/>
+            <a:chExt cx="4552399" cy="2058212"/>
+          </a:xfrm>
+        </p:grpSpPr>
+        <p:grpSp>
+          <p:nvGrpSpPr>
+            <p:cNvPr id="18" name="Group 17">
+              <a:extLst>
+                <a:ext uri="{FF2B5EF4-FFF2-40B4-BE49-F238E27FC236}">
+                  <a16:creationId xmlns:a16="http://schemas.microsoft.com/office/drawing/2014/main" id="{50BDA61E-D715-4C4F-A56B-3B93555089DC}"/>
+                </a:ext>
+              </a:extLst>
+            </p:cNvPr>
+            <p:cNvGrpSpPr/>
+            <p:nvPr/>
+          </p:nvGrpSpPr>
+          <p:grpSpPr>
+            <a:xfrm>
+              <a:off x="1397379" y="1322707"/>
+              <a:ext cx="4552399" cy="2058212"/>
+              <a:chOff x="1378831" y="1560891"/>
+              <a:chExt cx="4552399" cy="2058212"/>
+            </a:xfrm>
+          </p:grpSpPr>
+          <p:sp>
+            <p:nvSpPr>
+              <p:cNvPr id="16" name="Rectangle 15">
+                <a:extLst>
+                  <a:ext uri="{FF2B5EF4-FFF2-40B4-BE49-F238E27FC236}">
+                    <a16:creationId xmlns:a16="http://schemas.microsoft.com/office/drawing/2014/main" id="{F1D7E6BF-B1BB-479E-ACE3-571250AB78D9}"/>
+                  </a:ext>
+                </a:extLst>
+              </p:cNvPr>
+              <p:cNvSpPr/>
+              <p:nvPr/>
+            </p:nvSpPr>
+            <p:spPr>
+              <a:xfrm>
+                <a:off x="1378831" y="2788106"/>
+                <a:ext cx="3748142" cy="830997"/>
+              </a:xfrm>
+              <a:prstGeom prst="rect">
+                <a:avLst/>
+              </a:prstGeom>
+            </p:spPr>
+            <p:txBody>
+              <a:bodyPr wrap="none">
+                <a:spAutoFit/>
+              </a:bodyPr>
+              <a:lstStyle/>
+              <a:p>
+                <a:r>
+                  <a:rPr lang="hu-HU" sz="4800" b="1" dirty="0">
+                    <a:ln w="19050">
+                      <a:solidFill>
+                        <a:schemeClr val="tx1"/>
+                      </a:solidFill>
+                    </a:ln>
+                    <a:solidFill>
+                      <a:schemeClr val="bg1">
+                        <a:lumMod val="50000"/>
+                      </a:schemeClr>
+                    </a:solidFill>
+                    <a:latin typeface="Bahnschrift" panose="020B0502040204020203" pitchFamily="34" charset="0"/>
+                  </a:rPr>
+                  <a:t>Medve</a:t>
+                </a:r>
+                <a:r>
+                  <a:rPr lang="en-GB" sz="4800" b="1" dirty="0">
+                    <a:ln w="19050">
+                      <a:solidFill>
+                        <a:schemeClr val="tx1"/>
+                      </a:solidFill>
+                    </a:ln>
+                    <a:solidFill>
+                      <a:schemeClr val="bg1">
+                        <a:lumMod val="50000"/>
+                      </a:schemeClr>
+                    </a:solidFill>
+                    <a:latin typeface="Bahnschrift" panose="020B0502040204020203" pitchFamily="34" charset="0"/>
+                  </a:rPr>
+                  <a:t>t</a:t>
+                </a:r>
+                <a:r>
+                  <a:rPr lang="hu-HU" sz="4800" b="1" dirty="0">
+                    <a:ln w="19050">
+                      <a:solidFill>
+                        <a:schemeClr val="tx1"/>
+                      </a:solidFill>
+                    </a:ln>
+                    <a:solidFill>
+                      <a:schemeClr val="bg1">
+                        <a:lumMod val="50000"/>
+                      </a:schemeClr>
+                    </a:solidFill>
+                    <a:latin typeface="Bahnschrift" panose="020B0502040204020203" pitchFamily="34" charset="0"/>
+                  </a:rPr>
+                  <a:t>érkép</a:t>
+                </a:r>
+                <a:endParaRPr lang="en-US" sz="900" dirty="0">
+                  <a:ln w="19050">
+                    <a:solidFill>
+                      <a:schemeClr val="tx1"/>
+                    </a:solidFill>
+                  </a:ln>
+                  <a:solidFill>
+                    <a:schemeClr val="bg1">
+                      <a:lumMod val="50000"/>
+                    </a:schemeClr>
+                  </a:solidFill>
+                </a:endParaRPr>
+              </a:p>
+            </p:txBody>
+          </p:sp>
+          <p:pic>
+            <p:nvPicPr>
+              <p:cNvPr id="15" name="Picture 14">
+                <a:extLst>
+                  <a:ext uri="{FF2B5EF4-FFF2-40B4-BE49-F238E27FC236}">
+                    <a16:creationId xmlns:a16="http://schemas.microsoft.com/office/drawing/2014/main" id="{8039E097-7D6E-43CB-9F18-9EBCD94DFE18}"/>
+                  </a:ext>
+                </a:extLst>
+              </p:cNvPr>
+              <p:cNvPicPr>
+                <a:picLocks noChangeAspect="1"/>
+              </p:cNvPicPr>
+              <p:nvPr/>
+            </p:nvPicPr>
+            <p:blipFill>
+              <a:blip r:embed="rId2"/>
+              <a:stretch>
+                <a:fillRect/>
+              </a:stretch>
+            </p:blipFill>
+            <p:spPr>
+              <a:xfrm>
+                <a:off x="1378831" y="1560891"/>
+                <a:ext cx="4552399" cy="1309297"/>
+              </a:xfrm>
+              <a:prstGeom prst="rect">
+                <a:avLst/>
+              </a:prstGeom>
+            </p:spPr>
+          </p:pic>
+        </p:grpSp>
+        <p:pic>
+          <p:nvPicPr>
+            <p:cNvPr id="13" name="Graphic 12" descr="Marker">
+              <a:extLst>
+                <a:ext uri="{FF2B5EF4-FFF2-40B4-BE49-F238E27FC236}">
+                  <a16:creationId xmlns:a16="http://schemas.microsoft.com/office/drawing/2014/main" id="{EA967596-DA58-4BA7-A3C0-E5C6171202B0}"/>
+                </a:ext>
+              </a:extLst>
+            </p:cNvPr>
+            <p:cNvPicPr>
+              <a:picLocks noChangeAspect="1"/>
+            </p:cNvPicPr>
+            <p:nvPr/>
+          </p:nvPicPr>
+          <p:blipFill>
+            <a:blip r:embed="rId3">
+              <a:extLst>
+                <a:ext uri="{28A0092B-C50C-407E-A947-70E740481C1C}">
+                  <a14:useLocalDpi xmlns:a14="http://schemas.microsoft.com/office/drawing/2010/main" val="0"/>
+                </a:ext>
+                <a:ext uri="{96DAC541-7B7A-43D3-8B79-37D633B846F1}">
+                  <asvg:svgBlip xmlns:asvg="http://schemas.microsoft.com/office/drawing/2016/SVG/main" r:embed="rId4"/>
+                </a:ext>
+              </a:extLst>
+            </a:blip>
+            <a:stretch>
+              <a:fillRect/>
+            </a:stretch>
+          </p:blipFill>
+          <p:spPr>
+            <a:xfrm>
+              <a:off x="4946646" y="2485698"/>
+              <a:ext cx="837352" cy="837352"/>
+            </a:xfrm>
+            <a:prstGeom prst="rect">
+              <a:avLst/>
+            </a:prstGeom>
+          </p:spPr>
+        </p:pic>
+      </p:grpSp>
+    </p:spTree>
+    <p:extLst>
+      <p:ext uri="{BB962C8B-B14F-4D97-AF65-F5344CB8AC3E}">
+        <p14:creationId xmlns:p14="http://schemas.microsoft.com/office/powerpoint/2010/main" val="3875357192"/>
+      </p:ext>
+    </p:extLst>
+  </p:cSld>
+  <p:clrMapOvr>
+    <a:masterClrMapping/>
+  </p:clrMapOvr>
+</p:sld>
+</file>
+
+<file path=ppt/slides/slide11.xml><?xml version="1.0" encoding="utf-8"?>
+<p:sld xmlns:a="http://schemas.openxmlformats.org/drawingml/2006/main" xmlns:r="http://schemas.openxmlformats.org/officeDocument/2006/relationships" xmlns:p="http://schemas.openxmlformats.org/presentationml/2006/main">
+  <p:cSld>
+    <p:spTree>
+      <p:nvGrpSpPr>
+        <p:cNvPr id="1" name=""/>
+        <p:cNvGrpSpPr/>
+        <p:nvPr/>
+      </p:nvGrpSpPr>
+      <p:grpSpPr>
+        <a:xfrm>
+          <a:off x="0" y="0"/>
+          <a:ext cx="0" cy="0"/>
+          <a:chOff x="0" y="0"/>
+          <a:chExt cx="0" cy="0"/>
+        </a:xfrm>
+      </p:grpSpPr>
+      <p:pic>
+        <p:nvPicPr>
+          <p:cNvPr id="5" name="Picture 4">
+            <a:extLst>
+              <a:ext uri="{FF2B5EF4-FFF2-40B4-BE49-F238E27FC236}">
+                <a16:creationId xmlns:a16="http://schemas.microsoft.com/office/drawing/2014/main" id="{2147C40B-C6F8-4C75-8ACD-E5ECFDF531EC}"/>
+              </a:ext>
+            </a:extLst>
+          </p:cNvPr>
+          <p:cNvPicPr>
+            <a:picLocks noChangeAspect="1"/>
+          </p:cNvPicPr>
+          <p:nvPr/>
+        </p:nvPicPr>
+        <p:blipFill rotWithShape="1">
+          <a:blip r:embed="rId2"/>
+          <a:srcRect r="9290"/>
+          <a:stretch/>
+        </p:blipFill>
+        <p:spPr>
+          <a:xfrm>
+            <a:off x="510091" y="2462003"/>
+            <a:ext cx="5313783" cy="3292433"/>
+          </a:xfrm>
+          <a:prstGeom prst="rect">
+            <a:avLst/>
+          </a:prstGeom>
+        </p:spPr>
+      </p:pic>
+      <p:pic>
+        <p:nvPicPr>
+          <p:cNvPr id="23" name="Picture 22">
+            <a:extLst>
+              <a:ext uri="{FF2B5EF4-FFF2-40B4-BE49-F238E27FC236}">
+                <a16:creationId xmlns:a16="http://schemas.microsoft.com/office/drawing/2014/main" id="{0F764D78-C290-40D4-9FA8-57952D930701}"/>
+              </a:ext>
+            </a:extLst>
+          </p:cNvPr>
+          <p:cNvPicPr>
+            <a:picLocks noChangeAspect="1"/>
+          </p:cNvPicPr>
+          <p:nvPr/>
+        </p:nvPicPr>
+        <p:blipFill rotWithShape="1">
+          <a:blip r:embed="rId2"/>
+          <a:srcRect l="65916" r="9290"/>
+          <a:stretch/>
+        </p:blipFill>
+        <p:spPr>
+          <a:xfrm flipH="1">
+            <a:off x="5823873" y="2462003"/>
+            <a:ext cx="1452415" cy="3292433"/>
+          </a:xfrm>
+          <a:prstGeom prst="rect">
+            <a:avLst/>
+          </a:prstGeom>
+          <a:ln>
+            <a:noFill/>
+          </a:ln>
+        </p:spPr>
+      </p:pic>
+      <p:sp>
+        <p:nvSpPr>
+          <p:cNvPr id="20" name="Rectangle 19">
+            <a:extLst>
+              <a:ext uri="{FF2B5EF4-FFF2-40B4-BE49-F238E27FC236}">
+                <a16:creationId xmlns:a16="http://schemas.microsoft.com/office/drawing/2014/main" id="{ACFA6478-3715-4DD6-B9D9-0BD32CD229B2}"/>
+              </a:ext>
+            </a:extLst>
+          </p:cNvPr>
+          <p:cNvSpPr/>
+          <p:nvPr/>
+        </p:nvSpPr>
+        <p:spPr>
+          <a:xfrm rot="5400000">
+            <a:off x="3409692" y="-437595"/>
+            <a:ext cx="966996" cy="6766200"/>
+          </a:xfrm>
+          <a:prstGeom prst="rect">
+            <a:avLst/>
+          </a:prstGeom>
+          <a:gradFill flip="none" rotWithShape="1">
+            <a:gsLst>
+              <a:gs pos="5000">
+                <a:srgbClr val="9EA8B1"/>
+              </a:gs>
+              <a:gs pos="100000">
+                <a:srgbClr val="9EA8B1">
+                  <a:alpha val="0"/>
+                </a:srgbClr>
+              </a:gs>
+            </a:gsLst>
+            <a:lin ang="0" scaled="1"/>
+            <a:tileRect/>
+          </a:gradFill>
+          <a:ln>
+            <a:noFill/>
+          </a:ln>
+        </p:spPr>
+        <p:style>
+          <a:lnRef idx="2">
+            <a:schemeClr val="accent1">
+              <a:shade val="50000"/>
+            </a:schemeClr>
+          </a:lnRef>
+          <a:fillRef idx="1">
+            <a:schemeClr val="accent1"/>
+          </a:fillRef>
+          <a:effectRef idx="0">
+            <a:schemeClr val="accent1"/>
+          </a:effectRef>
+          <a:fontRef idx="minor">
+            <a:schemeClr val="lt1"/>
+          </a:fontRef>
+        </p:style>
+        <p:txBody>
+          <a:bodyPr rtlCol="0" anchor="ctr"/>
+          <a:lstStyle/>
+          <a:p>
+            <a:pPr algn="ctr"/>
+            <a:endParaRPr lang="en-US" dirty="0"/>
+          </a:p>
+        </p:txBody>
+      </p:sp>
+      <p:sp>
+        <p:nvSpPr>
+          <p:cNvPr id="27" name="Rectangle 26">
+            <a:extLst>
+              <a:ext uri="{FF2B5EF4-FFF2-40B4-BE49-F238E27FC236}">
+                <a16:creationId xmlns:a16="http://schemas.microsoft.com/office/drawing/2014/main" id="{44A4776C-4840-4990-AD4E-2F90306F80E7}"/>
+              </a:ext>
+            </a:extLst>
+          </p:cNvPr>
+          <p:cNvSpPr/>
+          <p:nvPr/>
+        </p:nvSpPr>
+        <p:spPr>
+          <a:xfrm rot="5400000">
+            <a:off x="4509224" y="1882756"/>
+            <a:ext cx="2187820" cy="3346314"/>
+          </a:xfrm>
+          <a:prstGeom prst="rect">
+            <a:avLst/>
+          </a:prstGeom>
+          <a:gradFill flip="none" rotWithShape="1">
+            <a:gsLst>
+              <a:gs pos="5000">
+                <a:srgbClr val="9EA8B1"/>
+              </a:gs>
+              <a:gs pos="51000">
+                <a:srgbClr val="9EA8B1">
+                  <a:alpha val="0"/>
+                </a:srgbClr>
+              </a:gs>
+            </a:gsLst>
+            <a:lin ang="1800000" scaled="0"/>
+            <a:tileRect/>
+          </a:gradFill>
+          <a:ln>
+            <a:noFill/>
+          </a:ln>
+        </p:spPr>
+        <p:style>
+          <a:lnRef idx="2">
+            <a:schemeClr val="accent1">
+              <a:shade val="50000"/>
+            </a:schemeClr>
+          </a:lnRef>
+          <a:fillRef idx="1">
+            <a:schemeClr val="accent1"/>
+          </a:fillRef>
+          <a:effectRef idx="0">
+            <a:schemeClr val="accent1"/>
+          </a:effectRef>
+          <a:fontRef idx="minor">
+            <a:schemeClr val="lt1"/>
+          </a:fontRef>
+        </p:style>
+        <p:txBody>
+          <a:bodyPr rtlCol="0" anchor="ctr"/>
+          <a:lstStyle/>
+          <a:p>
+            <a:pPr algn="ctr"/>
+            <a:endParaRPr lang="en-US" dirty="0"/>
+          </a:p>
+        </p:txBody>
+      </p:sp>
+      <p:pic>
+        <p:nvPicPr>
+          <p:cNvPr id="25" name="Graphic 24" descr="Map with pin">
+            <a:extLst>
+              <a:ext uri="{FF2B5EF4-FFF2-40B4-BE49-F238E27FC236}">
+                <a16:creationId xmlns:a16="http://schemas.microsoft.com/office/drawing/2014/main" id="{148678D1-38C8-4171-A605-5B2BA6912CF4}"/>
+              </a:ext>
+            </a:extLst>
+          </p:cNvPr>
+          <p:cNvPicPr>
+            <a:picLocks noChangeAspect="1"/>
+          </p:cNvPicPr>
+          <p:nvPr/>
+        </p:nvPicPr>
+        <p:blipFill>
+          <a:blip r:embed="rId3">
+            <a:extLst>
+              <a:ext uri="{28A0092B-C50C-407E-A947-70E740481C1C}">
+                <a14:useLocalDpi xmlns:a14="http://schemas.microsoft.com/office/drawing/2010/main" val="0"/>
+              </a:ext>
+              <a:ext uri="{96DAC541-7B7A-43D3-8B79-37D633B846F1}">
+                <asvg:svgBlip xmlns:asvg="http://schemas.microsoft.com/office/drawing/2016/SVG/main" r:embed="rId4"/>
+              </a:ext>
+            </a:extLst>
+          </a:blip>
+          <a:stretch>
+            <a:fillRect/>
+          </a:stretch>
+        </p:blipFill>
+        <p:spPr>
+          <a:xfrm>
+            <a:off x="4993519" y="2836252"/>
+            <a:ext cx="1660704" cy="1660704"/>
+          </a:xfrm>
+          <a:prstGeom prst="rect">
+            <a:avLst/>
+          </a:prstGeom>
+        </p:spPr>
+      </p:pic>
+      <p:sp>
+        <p:nvSpPr>
+          <p:cNvPr id="28" name="Rectangle 27">
+            <a:extLst>
+              <a:ext uri="{FF2B5EF4-FFF2-40B4-BE49-F238E27FC236}">
+                <a16:creationId xmlns:a16="http://schemas.microsoft.com/office/drawing/2014/main" id="{B8F7326E-BE6D-44EC-AA07-6A9570DDD8AA}"/>
+              </a:ext>
+            </a:extLst>
+          </p:cNvPr>
+          <p:cNvSpPr/>
+          <p:nvPr/>
+        </p:nvSpPr>
+        <p:spPr>
+          <a:xfrm rot="16200000" flipH="1">
+            <a:off x="1089334" y="1882756"/>
+            <a:ext cx="2187820" cy="3346314"/>
+          </a:xfrm>
+          <a:prstGeom prst="rect">
+            <a:avLst/>
+          </a:prstGeom>
+          <a:gradFill flip="none" rotWithShape="1">
+            <a:gsLst>
+              <a:gs pos="5000">
+                <a:srgbClr val="9EA8B1"/>
+              </a:gs>
+              <a:gs pos="51000">
+                <a:srgbClr val="9EA8B1">
+                  <a:alpha val="0"/>
+                </a:srgbClr>
+              </a:gs>
+            </a:gsLst>
+            <a:lin ang="1800000" scaled="0"/>
+            <a:tileRect/>
+          </a:gradFill>
+          <a:ln>
+            <a:noFill/>
+          </a:ln>
+        </p:spPr>
+        <p:style>
+          <a:lnRef idx="2">
+            <a:schemeClr val="accent1">
+              <a:shade val="50000"/>
+            </a:schemeClr>
+          </a:lnRef>
+          <a:fillRef idx="1">
+            <a:schemeClr val="accent1"/>
+          </a:fillRef>
+          <a:effectRef idx="0">
+            <a:schemeClr val="accent1"/>
+          </a:effectRef>
+          <a:fontRef idx="minor">
+            <a:schemeClr val="lt1"/>
+          </a:fontRef>
+        </p:style>
+        <p:txBody>
+          <a:bodyPr rtlCol="0" anchor="ctr"/>
+          <a:lstStyle/>
+          <a:p>
+            <a:pPr algn="ctr"/>
+            <a:endParaRPr lang="en-US" dirty="0"/>
+          </a:p>
+        </p:txBody>
+      </p:sp>
+    </p:spTree>
+    <p:extLst>
+      <p:ext uri="{BB962C8B-B14F-4D97-AF65-F5344CB8AC3E}">
+        <p14:creationId xmlns:p14="http://schemas.microsoft.com/office/powerpoint/2010/main" val="3524588675"/>
+      </p:ext>
+    </p:extLst>
+  </p:cSld>
+  <p:clrMapOvr>
+    <a:masterClrMapping/>
+  </p:clrMapOvr>
+</p:sld>
+</file>
+
 <file path=ppt/slides/slide2.xml><?xml version="1.0" encoding="utf-8"?>
 <p:sld xmlns:a="http://schemas.openxmlformats.org/drawingml/2006/main" xmlns:r="http://schemas.openxmlformats.org/officeDocument/2006/relationships" xmlns:p="http://schemas.openxmlformats.org/presentationml/2006/main">
   <p:cSld>
@@ -4826,6 +5381,374 @@
           <a:gradFill flip="none" rotWithShape="1">
             <a:gsLst>
               <a:gs pos="9000">
+                <a:srgbClr val="F5F5F5"/>
+              </a:gs>
+              <a:gs pos="61000">
+                <a:srgbClr val="FFFFFF">
+                  <a:shade val="100000"/>
+                  <a:satMod val="115000"/>
+                  <a:alpha val="0"/>
+                </a:srgbClr>
+              </a:gs>
+            </a:gsLst>
+            <a:lin ang="0" scaled="1"/>
+            <a:tileRect/>
+          </a:gradFill>
+          <a:ln>
+            <a:noFill/>
+          </a:ln>
+        </p:spPr>
+        <p:style>
+          <a:lnRef idx="2">
+            <a:schemeClr val="accent1">
+              <a:shade val="50000"/>
+            </a:schemeClr>
+          </a:lnRef>
+          <a:fillRef idx="1">
+            <a:schemeClr val="accent1"/>
+          </a:fillRef>
+          <a:effectRef idx="0">
+            <a:schemeClr val="accent1"/>
+          </a:effectRef>
+          <a:fontRef idx="minor">
+            <a:schemeClr val="lt1"/>
+          </a:fontRef>
+        </p:style>
+        <p:txBody>
+          <a:bodyPr rtlCol="0" anchor="ctr"/>
+          <a:lstStyle/>
+          <a:p>
+            <a:pPr algn="ctr"/>
+            <a:endParaRPr lang="en-US" dirty="0"/>
+          </a:p>
+        </p:txBody>
+      </p:sp>
+      <p:grpSp>
+        <p:nvGrpSpPr>
+          <p:cNvPr id="18" name="Group 17">
+            <a:extLst>
+              <a:ext uri="{FF2B5EF4-FFF2-40B4-BE49-F238E27FC236}">
+                <a16:creationId xmlns:a16="http://schemas.microsoft.com/office/drawing/2014/main" id="{50BDA61E-D715-4C4F-A56B-3B93555089DC}"/>
+              </a:ext>
+            </a:extLst>
+          </p:cNvPr>
+          <p:cNvGrpSpPr/>
+          <p:nvPr/>
+        </p:nvGrpSpPr>
+        <p:grpSpPr>
+          <a:xfrm>
+            <a:off x="1397379" y="1322707"/>
+            <a:ext cx="4552399" cy="2173943"/>
+            <a:chOff x="1378831" y="1560891"/>
+            <a:chExt cx="4552399" cy="2173943"/>
+          </a:xfrm>
+        </p:grpSpPr>
+        <p:sp>
+          <p:nvSpPr>
+            <p:cNvPr id="16" name="Rectangle 15">
+              <a:extLst>
+                <a:ext uri="{FF2B5EF4-FFF2-40B4-BE49-F238E27FC236}">
+                  <a16:creationId xmlns:a16="http://schemas.microsoft.com/office/drawing/2014/main" id="{F1D7E6BF-B1BB-479E-ACE3-571250AB78D9}"/>
+                </a:ext>
+              </a:extLst>
+            </p:cNvPr>
+            <p:cNvSpPr/>
+            <p:nvPr/>
+          </p:nvSpPr>
+          <p:spPr>
+            <a:xfrm>
+              <a:off x="1378831" y="2903837"/>
+              <a:ext cx="3475631" cy="830997"/>
+            </a:xfrm>
+            <a:prstGeom prst="rect">
+              <a:avLst/>
+            </a:prstGeom>
+          </p:spPr>
+          <p:txBody>
+            <a:bodyPr wrap="none">
+              <a:spAutoFit/>
+            </a:bodyPr>
+            <a:lstStyle/>
+            <a:p>
+              <a:r>
+                <a:rPr lang="hu-HU" sz="4800" b="1" dirty="0">
+                  <a:ln w="19050">
+                    <a:solidFill>
+                      <a:schemeClr val="tx1"/>
+                    </a:solidFill>
+                  </a:ln>
+                  <a:solidFill>
+                    <a:schemeClr val="bg1">
+                      <a:lumMod val="50000"/>
+                    </a:schemeClr>
+                  </a:solidFill>
+                  <a:latin typeface="Bahnschrift" panose="020B0502040204020203" pitchFamily="34" charset="0"/>
+                </a:rPr>
+                <a:t>Medve</a:t>
+              </a:r>
+              <a:r>
+                <a:rPr lang="en-US" sz="4800" b="1" dirty="0">
+                  <a:ln w="19050">
+                    <a:solidFill>
+                      <a:schemeClr val="tx1"/>
+                    </a:solidFill>
+                  </a:ln>
+                  <a:solidFill>
+                    <a:schemeClr val="bg1">
+                      <a:lumMod val="50000"/>
+                    </a:schemeClr>
+                  </a:solidFill>
+                  <a:latin typeface="Bahnschrift" panose="020B0502040204020203" pitchFamily="34" charset="0"/>
+                </a:rPr>
+                <a:t>radar</a:t>
+              </a:r>
+              <a:endParaRPr lang="en-US" sz="900" dirty="0">
+                <a:ln w="19050">
+                  <a:solidFill>
+                    <a:schemeClr val="tx1"/>
+                  </a:solidFill>
+                </a:ln>
+                <a:solidFill>
+                  <a:schemeClr val="bg1">
+                    <a:lumMod val="50000"/>
+                  </a:schemeClr>
+                </a:solidFill>
+              </a:endParaRPr>
+            </a:p>
+          </p:txBody>
+        </p:sp>
+        <p:pic>
+          <p:nvPicPr>
+            <p:cNvPr id="15" name="Picture 14">
+              <a:extLst>
+                <a:ext uri="{FF2B5EF4-FFF2-40B4-BE49-F238E27FC236}">
+                  <a16:creationId xmlns:a16="http://schemas.microsoft.com/office/drawing/2014/main" id="{8039E097-7D6E-43CB-9F18-9EBCD94DFE18}"/>
+                </a:ext>
+              </a:extLst>
+            </p:cNvPr>
+            <p:cNvPicPr>
+              <a:picLocks noChangeAspect="1"/>
+            </p:cNvPicPr>
+            <p:nvPr/>
+          </p:nvPicPr>
+          <p:blipFill>
+            <a:blip r:embed="rId3"/>
+            <a:stretch>
+              <a:fillRect/>
+            </a:stretch>
+          </p:blipFill>
+          <p:spPr>
+            <a:xfrm>
+              <a:off x="1378831" y="1560891"/>
+              <a:ext cx="4552399" cy="1309297"/>
+            </a:xfrm>
+            <a:prstGeom prst="rect">
+              <a:avLst/>
+            </a:prstGeom>
+          </p:spPr>
+        </p:pic>
+      </p:grpSp>
+      <p:pic>
+        <p:nvPicPr>
+          <p:cNvPr id="4" name="Graphic 3" descr="Wi-Fi">
+            <a:extLst>
+              <a:ext uri="{FF2B5EF4-FFF2-40B4-BE49-F238E27FC236}">
+                <a16:creationId xmlns:a16="http://schemas.microsoft.com/office/drawing/2014/main" id="{1D1F739C-5C00-4CD8-AEA7-A6659481B20F}"/>
+              </a:ext>
+            </a:extLst>
+          </p:cNvPr>
+          <p:cNvPicPr>
+            <a:picLocks noChangeAspect="1"/>
+          </p:cNvPicPr>
+          <p:nvPr/>
+        </p:nvPicPr>
+        <p:blipFill>
+          <a:blip r:embed="rId4">
+            <a:extLst>
+              <a:ext uri="{28A0092B-C50C-407E-A947-70E740481C1C}">
+                <a14:useLocalDpi xmlns:a14="http://schemas.microsoft.com/office/drawing/2010/main" val="0"/>
+              </a:ext>
+              <a:ext uri="{96DAC541-7B7A-43D3-8B79-37D633B846F1}">
+                <asvg:svgBlip xmlns:asvg="http://schemas.microsoft.com/office/drawing/2016/SVG/main" r:embed="rId5"/>
+              </a:ext>
+            </a:extLst>
+          </a:blip>
+          <a:stretch>
+            <a:fillRect/>
+          </a:stretch>
+        </p:blipFill>
+        <p:spPr>
+          <a:xfrm rot="5400000">
+            <a:off x="4607801" y="2526317"/>
+            <a:ext cx="1226200" cy="1226200"/>
+          </a:xfrm>
+          <a:prstGeom prst="rect">
+            <a:avLst/>
+          </a:prstGeom>
+        </p:spPr>
+      </p:pic>
+    </p:spTree>
+    <p:extLst>
+      <p:ext uri="{BB962C8B-B14F-4D97-AF65-F5344CB8AC3E}">
+        <p14:creationId xmlns:p14="http://schemas.microsoft.com/office/powerpoint/2010/main" val="1027499471"/>
+      </p:ext>
+    </p:extLst>
+  </p:cSld>
+  <p:clrMapOvr>
+    <a:masterClrMapping/>
+  </p:clrMapOvr>
+</p:sld>
+</file>
+
+<file path=ppt/slides/slide7.xml><?xml version="1.0" encoding="utf-8"?>
+<p:sld xmlns:a="http://schemas.openxmlformats.org/drawingml/2006/main" xmlns:r="http://schemas.openxmlformats.org/officeDocument/2006/relationships" xmlns:p="http://schemas.openxmlformats.org/presentationml/2006/main">
+  <p:cSld>
+    <p:spTree>
+      <p:nvGrpSpPr>
+        <p:cNvPr id="1" name=""/>
+        <p:cNvGrpSpPr/>
+        <p:nvPr/>
+      </p:nvGrpSpPr>
+      <p:grpSpPr>
+        <a:xfrm>
+          <a:off x="0" y="0"/>
+          <a:ext cx="0" cy="0"/>
+          <a:chOff x="0" y="0"/>
+          <a:chExt cx="0" cy="0"/>
+        </a:xfrm>
+      </p:grpSpPr>
+      <p:grpSp>
+        <p:nvGrpSpPr>
+          <p:cNvPr id="3" name="Group 2">
+            <a:extLst>
+              <a:ext uri="{FF2B5EF4-FFF2-40B4-BE49-F238E27FC236}">
+                <a16:creationId xmlns:a16="http://schemas.microsoft.com/office/drawing/2014/main" id="{7589093C-B7B0-409E-B9E6-561F13F9320A}"/>
+              </a:ext>
+            </a:extLst>
+          </p:cNvPr>
+          <p:cNvGrpSpPr/>
+          <p:nvPr/>
+        </p:nvGrpSpPr>
+        <p:grpSpPr>
+          <a:xfrm>
+            <a:off x="2877235" y="1085540"/>
+            <a:ext cx="7935934" cy="3292434"/>
+            <a:chOff x="4732638" y="538161"/>
+            <a:chExt cx="7935934" cy="3292434"/>
+          </a:xfrm>
+        </p:grpSpPr>
+        <p:pic>
+          <p:nvPicPr>
+            <p:cNvPr id="5" name="Picture 4">
+              <a:extLst>
+                <a:ext uri="{FF2B5EF4-FFF2-40B4-BE49-F238E27FC236}">
+                  <a16:creationId xmlns:a16="http://schemas.microsoft.com/office/drawing/2014/main" id="{2147C40B-C6F8-4C75-8ACD-E5ECFDF531EC}"/>
+                </a:ext>
+              </a:extLst>
+            </p:cNvPr>
+            <p:cNvPicPr>
+              <a:picLocks noChangeAspect="1"/>
+            </p:cNvPicPr>
+            <p:nvPr/>
+          </p:nvPicPr>
+          <p:blipFill>
+            <a:blip r:embed="rId2"/>
+            <a:stretch>
+              <a:fillRect/>
+            </a:stretch>
+          </p:blipFill>
+          <p:spPr>
+            <a:xfrm flipH="1">
+              <a:off x="6810536" y="538161"/>
+              <a:ext cx="5858036" cy="3292433"/>
+            </a:xfrm>
+            <a:prstGeom prst="rect">
+              <a:avLst/>
+            </a:prstGeom>
+          </p:spPr>
+        </p:pic>
+        <p:pic>
+          <p:nvPicPr>
+            <p:cNvPr id="6" name="Picture 5">
+              <a:extLst>
+                <a:ext uri="{FF2B5EF4-FFF2-40B4-BE49-F238E27FC236}">
+                  <a16:creationId xmlns:a16="http://schemas.microsoft.com/office/drawing/2014/main" id="{A9A35A69-B6BC-4E15-9752-184B4DF2C540}"/>
+                </a:ext>
+              </a:extLst>
+            </p:cNvPr>
+            <p:cNvPicPr>
+              <a:picLocks noChangeAspect="1"/>
+            </p:cNvPicPr>
+            <p:nvPr/>
+          </p:nvPicPr>
+          <p:blipFill rotWithShape="1">
+            <a:blip r:embed="rId2"/>
+            <a:srcRect l="64529"/>
+            <a:stretch/>
+          </p:blipFill>
+          <p:spPr>
+            <a:xfrm>
+              <a:off x="4732638" y="538162"/>
+              <a:ext cx="2077898" cy="3292433"/>
+            </a:xfrm>
+            <a:prstGeom prst="rect">
+              <a:avLst/>
+            </a:prstGeom>
+          </p:spPr>
+        </p:pic>
+      </p:grpSp>
+      <p:pic>
+        <p:nvPicPr>
+          <p:cNvPr id="14" name="Picture 13">
+            <a:extLst>
+              <a:ext uri="{FF2B5EF4-FFF2-40B4-BE49-F238E27FC236}">
+                <a16:creationId xmlns:a16="http://schemas.microsoft.com/office/drawing/2014/main" id="{63236DF1-DB01-463E-A53C-329E1FD1447A}"/>
+              </a:ext>
+            </a:extLst>
+          </p:cNvPr>
+          <p:cNvPicPr>
+            <a:picLocks noChangeAspect="1"/>
+          </p:cNvPicPr>
+          <p:nvPr/>
+        </p:nvPicPr>
+        <p:blipFill rotWithShape="1">
+          <a:blip r:embed="rId2"/>
+          <a:srcRect l="64529"/>
+          <a:stretch/>
+        </p:blipFill>
+        <p:spPr>
+          <a:xfrm flipH="1">
+            <a:off x="799337" y="1085540"/>
+            <a:ext cx="2077898" cy="3292433"/>
+          </a:xfrm>
+          <a:prstGeom prst="rect">
+            <a:avLst/>
+          </a:prstGeom>
+        </p:spPr>
+      </p:pic>
+      <p:sp>
+        <p:nvSpPr>
+          <p:cNvPr id="17" name="Rectangle 16">
+            <a:extLst>
+              <a:ext uri="{FF2B5EF4-FFF2-40B4-BE49-F238E27FC236}">
+                <a16:creationId xmlns:a16="http://schemas.microsoft.com/office/drawing/2014/main" id="{C525C486-0C42-46B2-A3D0-91374FE6B7D7}"/>
+              </a:ext>
+            </a:extLst>
+          </p:cNvPr>
+          <p:cNvSpPr/>
+          <p:nvPr/>
+        </p:nvSpPr>
+        <p:spPr>
+          <a:xfrm>
+            <a:off x="799337" y="1085540"/>
+            <a:ext cx="10013832" cy="3292433"/>
+          </a:xfrm>
+          <a:prstGeom prst="rect">
+            <a:avLst/>
+          </a:prstGeom>
+          <a:gradFill flip="none" rotWithShape="1">
+            <a:gsLst>
+              <a:gs pos="9000">
                 <a:schemeClr val="bg1"/>
               </a:gs>
               <a:gs pos="61000">
@@ -5016,6 +5939,810 @@
     <p:extLst>
       <p:ext uri="{BB962C8B-B14F-4D97-AF65-F5344CB8AC3E}">
         <p14:creationId xmlns:p14="http://schemas.microsoft.com/office/powerpoint/2010/main" val="1800511413"/>
+      </p:ext>
+    </p:extLst>
+  </p:cSld>
+  <p:clrMapOvr>
+    <a:masterClrMapping/>
+  </p:clrMapOvr>
+</p:sld>
+</file>
+
+<file path=ppt/slides/slide8.xml><?xml version="1.0" encoding="utf-8"?>
+<p:sld xmlns:a="http://schemas.openxmlformats.org/drawingml/2006/main" xmlns:r="http://schemas.openxmlformats.org/officeDocument/2006/relationships" xmlns:p="http://schemas.openxmlformats.org/presentationml/2006/main">
+  <p:cSld>
+    <p:spTree>
+      <p:nvGrpSpPr>
+        <p:cNvPr id="1" name=""/>
+        <p:cNvGrpSpPr/>
+        <p:nvPr/>
+      </p:nvGrpSpPr>
+      <p:grpSpPr>
+        <a:xfrm>
+          <a:off x="0" y="0"/>
+          <a:ext cx="0" cy="0"/>
+          <a:chOff x="0" y="0"/>
+          <a:chExt cx="0" cy="0"/>
+        </a:xfrm>
+      </p:grpSpPr>
+      <p:grpSp>
+        <p:nvGrpSpPr>
+          <p:cNvPr id="3" name="Group 2">
+            <a:extLst>
+              <a:ext uri="{FF2B5EF4-FFF2-40B4-BE49-F238E27FC236}">
+                <a16:creationId xmlns:a16="http://schemas.microsoft.com/office/drawing/2014/main" id="{7589093C-B7B0-409E-B9E6-561F13F9320A}"/>
+              </a:ext>
+            </a:extLst>
+          </p:cNvPr>
+          <p:cNvGrpSpPr/>
+          <p:nvPr/>
+        </p:nvGrpSpPr>
+        <p:grpSpPr>
+          <a:xfrm>
+            <a:off x="2877235" y="1085540"/>
+            <a:ext cx="7935934" cy="3292434"/>
+            <a:chOff x="4732638" y="538161"/>
+            <a:chExt cx="7935934" cy="3292434"/>
+          </a:xfrm>
+        </p:grpSpPr>
+        <p:pic>
+          <p:nvPicPr>
+            <p:cNvPr id="5" name="Picture 4">
+              <a:extLst>
+                <a:ext uri="{FF2B5EF4-FFF2-40B4-BE49-F238E27FC236}">
+                  <a16:creationId xmlns:a16="http://schemas.microsoft.com/office/drawing/2014/main" id="{2147C40B-C6F8-4C75-8ACD-E5ECFDF531EC}"/>
+                </a:ext>
+              </a:extLst>
+            </p:cNvPr>
+            <p:cNvPicPr>
+              <a:picLocks noChangeAspect="1"/>
+            </p:cNvPicPr>
+            <p:nvPr/>
+          </p:nvPicPr>
+          <p:blipFill>
+            <a:blip r:embed="rId2"/>
+            <a:stretch>
+              <a:fillRect/>
+            </a:stretch>
+          </p:blipFill>
+          <p:spPr>
+            <a:xfrm flipH="1">
+              <a:off x="6810536" y="538161"/>
+              <a:ext cx="5858036" cy="3292433"/>
+            </a:xfrm>
+            <a:prstGeom prst="rect">
+              <a:avLst/>
+            </a:prstGeom>
+          </p:spPr>
+        </p:pic>
+        <p:pic>
+          <p:nvPicPr>
+            <p:cNvPr id="6" name="Picture 5">
+              <a:extLst>
+                <a:ext uri="{FF2B5EF4-FFF2-40B4-BE49-F238E27FC236}">
+                  <a16:creationId xmlns:a16="http://schemas.microsoft.com/office/drawing/2014/main" id="{A9A35A69-B6BC-4E15-9752-184B4DF2C540}"/>
+                </a:ext>
+              </a:extLst>
+            </p:cNvPr>
+            <p:cNvPicPr>
+              <a:picLocks noChangeAspect="1"/>
+            </p:cNvPicPr>
+            <p:nvPr/>
+          </p:nvPicPr>
+          <p:blipFill rotWithShape="1">
+            <a:blip r:embed="rId2"/>
+            <a:srcRect l="64529"/>
+            <a:stretch/>
+          </p:blipFill>
+          <p:spPr>
+            <a:xfrm>
+              <a:off x="4732638" y="538162"/>
+              <a:ext cx="2077898" cy="3292433"/>
+            </a:xfrm>
+            <a:prstGeom prst="rect">
+              <a:avLst/>
+            </a:prstGeom>
+          </p:spPr>
+        </p:pic>
+      </p:grpSp>
+      <p:pic>
+        <p:nvPicPr>
+          <p:cNvPr id="14" name="Picture 13">
+            <a:extLst>
+              <a:ext uri="{FF2B5EF4-FFF2-40B4-BE49-F238E27FC236}">
+                <a16:creationId xmlns:a16="http://schemas.microsoft.com/office/drawing/2014/main" id="{63236DF1-DB01-463E-A53C-329E1FD1447A}"/>
+              </a:ext>
+            </a:extLst>
+          </p:cNvPr>
+          <p:cNvPicPr>
+            <a:picLocks noChangeAspect="1"/>
+          </p:cNvPicPr>
+          <p:nvPr/>
+        </p:nvPicPr>
+        <p:blipFill rotWithShape="1">
+          <a:blip r:embed="rId2"/>
+          <a:srcRect l="64529"/>
+          <a:stretch/>
+        </p:blipFill>
+        <p:spPr>
+          <a:xfrm flipH="1">
+            <a:off x="799337" y="1085540"/>
+            <a:ext cx="2077898" cy="3292433"/>
+          </a:xfrm>
+          <a:prstGeom prst="rect">
+            <a:avLst/>
+          </a:prstGeom>
+        </p:spPr>
+      </p:pic>
+      <p:sp>
+        <p:nvSpPr>
+          <p:cNvPr id="17" name="Rectangle 16">
+            <a:extLst>
+              <a:ext uri="{FF2B5EF4-FFF2-40B4-BE49-F238E27FC236}">
+                <a16:creationId xmlns:a16="http://schemas.microsoft.com/office/drawing/2014/main" id="{C525C486-0C42-46B2-A3D0-91374FE6B7D7}"/>
+              </a:ext>
+            </a:extLst>
+          </p:cNvPr>
+          <p:cNvSpPr/>
+          <p:nvPr/>
+        </p:nvSpPr>
+        <p:spPr>
+          <a:xfrm>
+            <a:off x="799337" y="1085540"/>
+            <a:ext cx="10013832" cy="3292433"/>
+          </a:xfrm>
+          <a:prstGeom prst="rect">
+            <a:avLst/>
+          </a:prstGeom>
+          <a:gradFill flip="none" rotWithShape="1">
+            <a:gsLst>
+              <a:gs pos="9000">
+                <a:srgbClr val="F5F5F5"/>
+              </a:gs>
+              <a:gs pos="61000">
+                <a:srgbClr val="FFFFFF">
+                  <a:shade val="100000"/>
+                  <a:satMod val="115000"/>
+                  <a:alpha val="0"/>
+                </a:srgbClr>
+              </a:gs>
+            </a:gsLst>
+            <a:lin ang="0" scaled="1"/>
+            <a:tileRect/>
+          </a:gradFill>
+          <a:ln>
+            <a:noFill/>
+          </a:ln>
+        </p:spPr>
+        <p:style>
+          <a:lnRef idx="2">
+            <a:schemeClr val="accent1">
+              <a:shade val="50000"/>
+            </a:schemeClr>
+          </a:lnRef>
+          <a:fillRef idx="1">
+            <a:schemeClr val="accent1"/>
+          </a:fillRef>
+          <a:effectRef idx="0">
+            <a:schemeClr val="accent1"/>
+          </a:effectRef>
+          <a:fontRef idx="minor">
+            <a:schemeClr val="lt1"/>
+          </a:fontRef>
+        </p:style>
+        <p:txBody>
+          <a:bodyPr rtlCol="0" anchor="ctr"/>
+          <a:lstStyle/>
+          <a:p>
+            <a:pPr algn="ctr"/>
+            <a:endParaRPr lang="en-US" dirty="0"/>
+          </a:p>
+        </p:txBody>
+      </p:sp>
+      <p:grpSp>
+        <p:nvGrpSpPr>
+          <p:cNvPr id="18" name="Group 17">
+            <a:extLst>
+              <a:ext uri="{FF2B5EF4-FFF2-40B4-BE49-F238E27FC236}">
+                <a16:creationId xmlns:a16="http://schemas.microsoft.com/office/drawing/2014/main" id="{50BDA61E-D715-4C4F-A56B-3B93555089DC}"/>
+              </a:ext>
+            </a:extLst>
+          </p:cNvPr>
+          <p:cNvGrpSpPr/>
+          <p:nvPr/>
+        </p:nvGrpSpPr>
+        <p:grpSpPr>
+          <a:xfrm>
+            <a:off x="1397379" y="1322707"/>
+            <a:ext cx="4552399" cy="2173943"/>
+            <a:chOff x="1378831" y="1560891"/>
+            <a:chExt cx="4552399" cy="2173943"/>
+          </a:xfrm>
+        </p:grpSpPr>
+        <p:sp>
+          <p:nvSpPr>
+            <p:cNvPr id="16" name="Rectangle 15">
+              <a:extLst>
+                <a:ext uri="{FF2B5EF4-FFF2-40B4-BE49-F238E27FC236}">
+                  <a16:creationId xmlns:a16="http://schemas.microsoft.com/office/drawing/2014/main" id="{F1D7E6BF-B1BB-479E-ACE3-571250AB78D9}"/>
+                </a:ext>
+              </a:extLst>
+            </p:cNvPr>
+            <p:cNvSpPr/>
+            <p:nvPr/>
+          </p:nvSpPr>
+          <p:spPr>
+            <a:xfrm>
+              <a:off x="1378831" y="2903837"/>
+              <a:ext cx="3748142" cy="830997"/>
+            </a:xfrm>
+            <a:prstGeom prst="rect">
+              <a:avLst/>
+            </a:prstGeom>
+          </p:spPr>
+          <p:txBody>
+            <a:bodyPr wrap="none">
+              <a:spAutoFit/>
+            </a:bodyPr>
+            <a:lstStyle/>
+            <a:p>
+              <a:r>
+                <a:rPr lang="hu-HU" sz="4800" b="1" dirty="0">
+                  <a:ln w="19050">
+                    <a:solidFill>
+                      <a:schemeClr val="tx1"/>
+                    </a:solidFill>
+                  </a:ln>
+                  <a:solidFill>
+                    <a:schemeClr val="bg1">
+                      <a:lumMod val="50000"/>
+                    </a:schemeClr>
+                  </a:solidFill>
+                  <a:latin typeface="Bahnschrift" panose="020B0502040204020203" pitchFamily="34" charset="0"/>
+                </a:rPr>
+                <a:t>Medve</a:t>
+              </a:r>
+              <a:r>
+                <a:rPr lang="en-GB" sz="4800" b="1" dirty="0">
+                  <a:ln w="19050">
+                    <a:solidFill>
+                      <a:schemeClr val="tx1"/>
+                    </a:solidFill>
+                  </a:ln>
+                  <a:solidFill>
+                    <a:schemeClr val="bg1">
+                      <a:lumMod val="50000"/>
+                    </a:schemeClr>
+                  </a:solidFill>
+                  <a:latin typeface="Bahnschrift" panose="020B0502040204020203" pitchFamily="34" charset="0"/>
+                </a:rPr>
+                <a:t>t</a:t>
+              </a:r>
+              <a:r>
+                <a:rPr lang="hu-HU" sz="4800" b="1" dirty="0">
+                  <a:ln w="19050">
+                    <a:solidFill>
+                      <a:schemeClr val="tx1"/>
+                    </a:solidFill>
+                  </a:ln>
+                  <a:solidFill>
+                    <a:schemeClr val="bg1">
+                      <a:lumMod val="50000"/>
+                    </a:schemeClr>
+                  </a:solidFill>
+                  <a:latin typeface="Bahnschrift" panose="020B0502040204020203" pitchFamily="34" charset="0"/>
+                </a:rPr>
+                <a:t>érkép</a:t>
+              </a:r>
+              <a:endParaRPr lang="en-US" sz="900" dirty="0">
+                <a:ln w="19050">
+                  <a:solidFill>
+                    <a:schemeClr val="tx1"/>
+                  </a:solidFill>
+                </a:ln>
+                <a:solidFill>
+                  <a:schemeClr val="bg1">
+                    <a:lumMod val="50000"/>
+                  </a:schemeClr>
+                </a:solidFill>
+              </a:endParaRPr>
+            </a:p>
+          </p:txBody>
+        </p:sp>
+        <p:pic>
+          <p:nvPicPr>
+            <p:cNvPr id="15" name="Picture 14">
+              <a:extLst>
+                <a:ext uri="{FF2B5EF4-FFF2-40B4-BE49-F238E27FC236}">
+                  <a16:creationId xmlns:a16="http://schemas.microsoft.com/office/drawing/2014/main" id="{8039E097-7D6E-43CB-9F18-9EBCD94DFE18}"/>
+                </a:ext>
+              </a:extLst>
+            </p:cNvPr>
+            <p:cNvPicPr>
+              <a:picLocks noChangeAspect="1"/>
+            </p:cNvPicPr>
+            <p:nvPr/>
+          </p:nvPicPr>
+          <p:blipFill>
+            <a:blip r:embed="rId3"/>
+            <a:stretch>
+              <a:fillRect/>
+            </a:stretch>
+          </p:blipFill>
+          <p:spPr>
+            <a:xfrm>
+              <a:off x="1378831" y="1560891"/>
+              <a:ext cx="4552399" cy="1309297"/>
+            </a:xfrm>
+            <a:prstGeom prst="rect">
+              <a:avLst/>
+            </a:prstGeom>
+          </p:spPr>
+        </p:pic>
+      </p:grpSp>
+      <p:pic>
+        <p:nvPicPr>
+          <p:cNvPr id="4" name="Graphic 3" descr="Map with pin">
+            <a:extLst>
+              <a:ext uri="{FF2B5EF4-FFF2-40B4-BE49-F238E27FC236}">
+                <a16:creationId xmlns:a16="http://schemas.microsoft.com/office/drawing/2014/main" id="{1D1F739C-5C00-4CD8-AEA7-A6659481B20F}"/>
+              </a:ext>
+            </a:extLst>
+          </p:cNvPr>
+          <p:cNvPicPr>
+            <a:picLocks noChangeAspect="1"/>
+          </p:cNvPicPr>
+          <p:nvPr/>
+        </p:nvPicPr>
+        <p:blipFill>
+          <a:blip r:embed="rId4">
+            <a:extLst>
+              <a:ext uri="{28A0092B-C50C-407E-A947-70E740481C1C}">
+                <a14:useLocalDpi xmlns:a14="http://schemas.microsoft.com/office/drawing/2010/main" val="0"/>
+              </a:ext>
+              <a:ext uri="{96DAC541-7B7A-43D3-8B79-37D633B846F1}">
+                <asvg:svgBlip xmlns:asvg="http://schemas.microsoft.com/office/drawing/2016/SVG/main" r:embed="rId5"/>
+              </a:ext>
+            </a:extLst>
+          </a:blip>
+          <a:stretch>
+            <a:fillRect/>
+          </a:stretch>
+        </p:blipFill>
+        <p:spPr>
+          <a:xfrm>
+            <a:off x="5094045" y="2383335"/>
+            <a:ext cx="1226200" cy="1226200"/>
+          </a:xfrm>
+          <a:prstGeom prst="rect">
+            <a:avLst/>
+          </a:prstGeom>
+        </p:spPr>
+      </p:pic>
+    </p:spTree>
+    <p:extLst>
+      <p:ext uri="{BB962C8B-B14F-4D97-AF65-F5344CB8AC3E}">
+        <p14:creationId xmlns:p14="http://schemas.microsoft.com/office/powerpoint/2010/main" val="1931297385"/>
+      </p:ext>
+    </p:extLst>
+  </p:cSld>
+  <p:clrMapOvr>
+    <a:masterClrMapping/>
+  </p:clrMapOvr>
+</p:sld>
+</file>
+
+<file path=ppt/slides/slide9.xml><?xml version="1.0" encoding="utf-8"?>
+<p:sld xmlns:a="http://schemas.openxmlformats.org/drawingml/2006/main" xmlns:r="http://schemas.openxmlformats.org/officeDocument/2006/relationships" xmlns:p="http://schemas.openxmlformats.org/presentationml/2006/main">
+  <p:cSld>
+    <p:spTree>
+      <p:nvGrpSpPr>
+        <p:cNvPr id="1" name=""/>
+        <p:cNvGrpSpPr/>
+        <p:nvPr/>
+      </p:nvGrpSpPr>
+      <p:grpSpPr>
+        <a:xfrm>
+          <a:off x="0" y="0"/>
+          <a:ext cx="0" cy="0"/>
+          <a:chOff x="0" y="0"/>
+          <a:chExt cx="0" cy="0"/>
+        </a:xfrm>
+      </p:grpSpPr>
+      <p:grpSp>
+        <p:nvGrpSpPr>
+          <p:cNvPr id="3" name="Group 2">
+            <a:extLst>
+              <a:ext uri="{FF2B5EF4-FFF2-40B4-BE49-F238E27FC236}">
+                <a16:creationId xmlns:a16="http://schemas.microsoft.com/office/drawing/2014/main" id="{7589093C-B7B0-409E-B9E6-561F13F9320A}"/>
+              </a:ext>
+            </a:extLst>
+          </p:cNvPr>
+          <p:cNvGrpSpPr/>
+          <p:nvPr/>
+        </p:nvGrpSpPr>
+        <p:grpSpPr>
+          <a:xfrm>
+            <a:off x="2877235" y="1085540"/>
+            <a:ext cx="7935934" cy="3292434"/>
+            <a:chOff x="4732638" y="538161"/>
+            <a:chExt cx="7935934" cy="3292434"/>
+          </a:xfrm>
+        </p:grpSpPr>
+        <p:pic>
+          <p:nvPicPr>
+            <p:cNvPr id="5" name="Picture 4">
+              <a:extLst>
+                <a:ext uri="{FF2B5EF4-FFF2-40B4-BE49-F238E27FC236}">
+                  <a16:creationId xmlns:a16="http://schemas.microsoft.com/office/drawing/2014/main" id="{2147C40B-C6F8-4C75-8ACD-E5ECFDF531EC}"/>
+                </a:ext>
+              </a:extLst>
+            </p:cNvPr>
+            <p:cNvPicPr>
+              <a:picLocks noChangeAspect="1"/>
+            </p:cNvPicPr>
+            <p:nvPr/>
+          </p:nvPicPr>
+          <p:blipFill>
+            <a:blip r:embed="rId2"/>
+            <a:stretch>
+              <a:fillRect/>
+            </a:stretch>
+          </p:blipFill>
+          <p:spPr>
+            <a:xfrm flipH="1">
+              <a:off x="6810536" y="538161"/>
+              <a:ext cx="5858036" cy="3292433"/>
+            </a:xfrm>
+            <a:prstGeom prst="rect">
+              <a:avLst/>
+            </a:prstGeom>
+          </p:spPr>
+        </p:pic>
+        <p:pic>
+          <p:nvPicPr>
+            <p:cNvPr id="6" name="Picture 5">
+              <a:extLst>
+                <a:ext uri="{FF2B5EF4-FFF2-40B4-BE49-F238E27FC236}">
+                  <a16:creationId xmlns:a16="http://schemas.microsoft.com/office/drawing/2014/main" id="{A9A35A69-B6BC-4E15-9752-184B4DF2C540}"/>
+                </a:ext>
+              </a:extLst>
+            </p:cNvPr>
+            <p:cNvPicPr>
+              <a:picLocks noChangeAspect="1"/>
+            </p:cNvPicPr>
+            <p:nvPr/>
+          </p:nvPicPr>
+          <p:blipFill rotWithShape="1">
+            <a:blip r:embed="rId2"/>
+            <a:srcRect l="64529"/>
+            <a:stretch/>
+          </p:blipFill>
+          <p:spPr>
+            <a:xfrm>
+              <a:off x="4732638" y="538162"/>
+              <a:ext cx="2077898" cy="3292433"/>
+            </a:xfrm>
+            <a:prstGeom prst="rect">
+              <a:avLst/>
+            </a:prstGeom>
+          </p:spPr>
+        </p:pic>
+      </p:grpSp>
+      <p:pic>
+        <p:nvPicPr>
+          <p:cNvPr id="14" name="Picture 13">
+            <a:extLst>
+              <a:ext uri="{FF2B5EF4-FFF2-40B4-BE49-F238E27FC236}">
+                <a16:creationId xmlns:a16="http://schemas.microsoft.com/office/drawing/2014/main" id="{63236DF1-DB01-463E-A53C-329E1FD1447A}"/>
+              </a:ext>
+            </a:extLst>
+          </p:cNvPr>
+          <p:cNvPicPr>
+            <a:picLocks noChangeAspect="1"/>
+          </p:cNvPicPr>
+          <p:nvPr/>
+        </p:nvPicPr>
+        <p:blipFill rotWithShape="1">
+          <a:blip r:embed="rId2"/>
+          <a:srcRect l="64529"/>
+          <a:stretch/>
+        </p:blipFill>
+        <p:spPr>
+          <a:xfrm flipH="1">
+            <a:off x="799337" y="1085540"/>
+            <a:ext cx="2077898" cy="3292433"/>
+          </a:xfrm>
+          <a:prstGeom prst="rect">
+            <a:avLst/>
+          </a:prstGeom>
+        </p:spPr>
+      </p:pic>
+      <p:sp>
+        <p:nvSpPr>
+          <p:cNvPr id="17" name="Rectangle 16">
+            <a:extLst>
+              <a:ext uri="{FF2B5EF4-FFF2-40B4-BE49-F238E27FC236}">
+                <a16:creationId xmlns:a16="http://schemas.microsoft.com/office/drawing/2014/main" id="{C525C486-0C42-46B2-A3D0-91374FE6B7D7}"/>
+              </a:ext>
+            </a:extLst>
+          </p:cNvPr>
+          <p:cNvSpPr/>
+          <p:nvPr/>
+        </p:nvSpPr>
+        <p:spPr>
+          <a:xfrm>
+            <a:off x="799337" y="1085540"/>
+            <a:ext cx="10013832" cy="3292433"/>
+          </a:xfrm>
+          <a:prstGeom prst="rect">
+            <a:avLst/>
+          </a:prstGeom>
+          <a:gradFill flip="none" rotWithShape="1">
+            <a:gsLst>
+              <a:gs pos="9000">
+                <a:srgbClr val="F5F5F5"/>
+              </a:gs>
+              <a:gs pos="61000">
+                <a:srgbClr val="FFFFFF">
+                  <a:shade val="100000"/>
+                  <a:satMod val="115000"/>
+                  <a:alpha val="0"/>
+                </a:srgbClr>
+              </a:gs>
+            </a:gsLst>
+            <a:lin ang="0" scaled="1"/>
+            <a:tileRect/>
+          </a:gradFill>
+          <a:ln>
+            <a:noFill/>
+          </a:ln>
+        </p:spPr>
+        <p:style>
+          <a:lnRef idx="2">
+            <a:schemeClr val="accent1">
+              <a:shade val="50000"/>
+            </a:schemeClr>
+          </a:lnRef>
+          <a:fillRef idx="1">
+            <a:schemeClr val="accent1"/>
+          </a:fillRef>
+          <a:effectRef idx="0">
+            <a:schemeClr val="accent1"/>
+          </a:effectRef>
+          <a:fontRef idx="minor">
+            <a:schemeClr val="lt1"/>
+          </a:fontRef>
+        </p:style>
+        <p:txBody>
+          <a:bodyPr rtlCol="0" anchor="ctr"/>
+          <a:lstStyle/>
+          <a:p>
+            <a:pPr algn="ctr"/>
+            <a:endParaRPr lang="en-US" dirty="0"/>
+          </a:p>
+        </p:txBody>
+      </p:sp>
+      <p:grpSp>
+        <p:nvGrpSpPr>
+          <p:cNvPr id="18" name="Group 17">
+            <a:extLst>
+              <a:ext uri="{FF2B5EF4-FFF2-40B4-BE49-F238E27FC236}">
+                <a16:creationId xmlns:a16="http://schemas.microsoft.com/office/drawing/2014/main" id="{50BDA61E-D715-4C4F-A56B-3B93555089DC}"/>
+              </a:ext>
+            </a:extLst>
+          </p:cNvPr>
+          <p:cNvGrpSpPr/>
+          <p:nvPr/>
+        </p:nvGrpSpPr>
+        <p:grpSpPr>
+          <a:xfrm>
+            <a:off x="1397379" y="1322707"/>
+            <a:ext cx="4552399" cy="2173943"/>
+            <a:chOff x="1378831" y="1560891"/>
+            <a:chExt cx="4552399" cy="2173943"/>
+          </a:xfrm>
+        </p:grpSpPr>
+        <p:sp>
+          <p:nvSpPr>
+            <p:cNvPr id="16" name="Rectangle 15">
+              <a:extLst>
+                <a:ext uri="{FF2B5EF4-FFF2-40B4-BE49-F238E27FC236}">
+                  <a16:creationId xmlns:a16="http://schemas.microsoft.com/office/drawing/2014/main" id="{F1D7E6BF-B1BB-479E-ACE3-571250AB78D9}"/>
+                </a:ext>
+              </a:extLst>
+            </p:cNvPr>
+            <p:cNvSpPr/>
+            <p:nvPr/>
+          </p:nvSpPr>
+          <p:spPr>
+            <a:xfrm>
+              <a:off x="1378831" y="2903837"/>
+              <a:ext cx="3748142" cy="830997"/>
+            </a:xfrm>
+            <a:prstGeom prst="rect">
+              <a:avLst/>
+            </a:prstGeom>
+          </p:spPr>
+          <p:txBody>
+            <a:bodyPr wrap="none">
+              <a:spAutoFit/>
+            </a:bodyPr>
+            <a:lstStyle/>
+            <a:p>
+              <a:r>
+                <a:rPr lang="hu-HU" sz="4800" b="1" dirty="0">
+                  <a:ln w="19050">
+                    <a:solidFill>
+                      <a:schemeClr val="tx1"/>
+                    </a:solidFill>
+                  </a:ln>
+                  <a:solidFill>
+                    <a:schemeClr val="bg1">
+                      <a:lumMod val="50000"/>
+                    </a:schemeClr>
+                  </a:solidFill>
+                  <a:latin typeface="Bahnschrift" panose="020B0502040204020203" pitchFamily="34" charset="0"/>
+                </a:rPr>
+                <a:t>Medve</a:t>
+              </a:r>
+              <a:r>
+                <a:rPr lang="en-GB" sz="4800" b="1" dirty="0">
+                  <a:ln w="19050">
+                    <a:solidFill>
+                      <a:schemeClr val="tx1"/>
+                    </a:solidFill>
+                  </a:ln>
+                  <a:solidFill>
+                    <a:schemeClr val="bg1">
+                      <a:lumMod val="50000"/>
+                    </a:schemeClr>
+                  </a:solidFill>
+                  <a:latin typeface="Bahnschrift" panose="020B0502040204020203" pitchFamily="34" charset="0"/>
+                </a:rPr>
+                <a:t>t</a:t>
+              </a:r>
+              <a:r>
+                <a:rPr lang="hu-HU" sz="4800" b="1" dirty="0">
+                  <a:ln w="19050">
+                    <a:solidFill>
+                      <a:schemeClr val="tx1"/>
+                    </a:solidFill>
+                  </a:ln>
+                  <a:solidFill>
+                    <a:schemeClr val="bg1">
+                      <a:lumMod val="50000"/>
+                    </a:schemeClr>
+                  </a:solidFill>
+                  <a:latin typeface="Bahnschrift" panose="020B0502040204020203" pitchFamily="34" charset="0"/>
+                </a:rPr>
+                <a:t>érkép</a:t>
+              </a:r>
+              <a:endParaRPr lang="en-US" sz="900" dirty="0">
+                <a:ln w="19050">
+                  <a:solidFill>
+                    <a:schemeClr val="tx1"/>
+                  </a:solidFill>
+                </a:ln>
+                <a:solidFill>
+                  <a:schemeClr val="bg1">
+                    <a:lumMod val="50000"/>
+                  </a:schemeClr>
+                </a:solidFill>
+              </a:endParaRPr>
+            </a:p>
+          </p:txBody>
+        </p:sp>
+        <p:pic>
+          <p:nvPicPr>
+            <p:cNvPr id="15" name="Picture 14">
+              <a:extLst>
+                <a:ext uri="{FF2B5EF4-FFF2-40B4-BE49-F238E27FC236}">
+                  <a16:creationId xmlns:a16="http://schemas.microsoft.com/office/drawing/2014/main" id="{8039E097-7D6E-43CB-9F18-9EBCD94DFE18}"/>
+                </a:ext>
+              </a:extLst>
+            </p:cNvPr>
+            <p:cNvPicPr>
+              <a:picLocks noChangeAspect="1"/>
+            </p:cNvPicPr>
+            <p:nvPr/>
+          </p:nvPicPr>
+          <p:blipFill>
+            <a:blip r:embed="rId3"/>
+            <a:stretch>
+              <a:fillRect/>
+            </a:stretch>
+          </p:blipFill>
+          <p:spPr>
+            <a:xfrm>
+              <a:off x="1378831" y="1560891"/>
+              <a:ext cx="4552399" cy="1309297"/>
+            </a:xfrm>
+            <a:prstGeom prst="rect">
+              <a:avLst/>
+            </a:prstGeom>
+          </p:spPr>
+        </p:pic>
+      </p:grpSp>
+      <p:pic>
+        <p:nvPicPr>
+          <p:cNvPr id="13" name="Graphic 12" descr="Marker">
+            <a:extLst>
+              <a:ext uri="{FF2B5EF4-FFF2-40B4-BE49-F238E27FC236}">
+                <a16:creationId xmlns:a16="http://schemas.microsoft.com/office/drawing/2014/main" id="{EA967596-DA58-4BA7-A3C0-E5C6171202B0}"/>
+              </a:ext>
+            </a:extLst>
+          </p:cNvPr>
+          <p:cNvPicPr>
+            <a:picLocks noChangeAspect="1"/>
+          </p:cNvPicPr>
+          <p:nvPr/>
+        </p:nvPicPr>
+        <p:blipFill>
+          <a:blip r:embed="rId4">
+            <a:extLst>
+              <a:ext uri="{28A0092B-C50C-407E-A947-70E740481C1C}">
+                <a14:useLocalDpi xmlns:a14="http://schemas.microsoft.com/office/drawing/2010/main" val="0"/>
+              </a:ext>
+              <a:ext uri="{96DAC541-7B7A-43D3-8B79-37D633B846F1}">
+                <asvg:svgBlip xmlns:asvg="http://schemas.microsoft.com/office/drawing/2016/SVG/main" r:embed="rId5"/>
+              </a:ext>
+            </a:extLst>
+          </a:blip>
+          <a:stretch>
+            <a:fillRect/>
+          </a:stretch>
+        </p:blipFill>
+        <p:spPr>
+          <a:xfrm>
+            <a:off x="4824146" y="2394282"/>
+            <a:ext cx="1081970" cy="1081970"/>
+          </a:xfrm>
+          <a:prstGeom prst="rect">
+            <a:avLst/>
+          </a:prstGeom>
+        </p:spPr>
+      </p:pic>
+      <p:pic>
+        <p:nvPicPr>
+          <p:cNvPr id="7" name="Picture 6">
+            <a:extLst>
+              <a:ext uri="{FF2B5EF4-FFF2-40B4-BE49-F238E27FC236}">
+                <a16:creationId xmlns:a16="http://schemas.microsoft.com/office/drawing/2014/main" id="{779D947C-330F-47C8-A4D0-CD4EB868F19F}"/>
+              </a:ext>
+            </a:extLst>
+          </p:cNvPr>
+          <p:cNvPicPr>
+            <a:picLocks noChangeAspect="1"/>
+          </p:cNvPicPr>
+          <p:nvPr/>
+        </p:nvPicPr>
+        <p:blipFill>
+          <a:blip r:embed="rId6">
+            <a:extLst>
+              <a:ext uri="{28A0092B-C50C-407E-A947-70E740481C1C}">
+                <a14:useLocalDpi xmlns:a14="http://schemas.microsoft.com/office/drawing/2010/main" val="0"/>
+              </a:ext>
+            </a:extLst>
+          </a:blip>
+          <a:stretch>
+            <a:fillRect/>
+          </a:stretch>
+        </p:blipFill>
+        <p:spPr>
+          <a:xfrm>
+            <a:off x="2246889" y="3519127"/>
+            <a:ext cx="4552950" cy="2057400"/>
+          </a:xfrm>
+          <a:prstGeom prst="rect">
+            <a:avLst/>
+          </a:prstGeom>
+        </p:spPr>
+      </p:pic>
+    </p:spTree>
+    <p:extLst>
+      <p:ext uri="{BB962C8B-B14F-4D97-AF65-F5344CB8AC3E}">
+        <p14:creationId xmlns:p14="http://schemas.microsoft.com/office/powerpoint/2010/main" val="63724859"/>
       </p:ext>
     </p:extLst>
   </p:cSld>
